--- a/src/assets/images/bg.pptx
+++ b/src/assets/images/bg.pptx
@@ -6,6 +6,7 @@
   </p:sldMasterIdLst>
   <p:sldIdLst>
     <p:sldId id="256" r:id="rId3"/>
+    <p:sldId id="257" r:id="rId4"/>
   </p:sldIdLst>
   <p:sldSz cx="12192000" cy="6858000"/>
   <p:notesSz cx="6858000" cy="9144000"/>
@@ -3138,6 +3139,75 @@
 </p:sld>
 </file>
 
+<file path=ppt/slides/slide2.xml><?xml version="1.0" encoding="utf-8"?>
+<p:sld xmlns:a="http://schemas.openxmlformats.org/drawingml/2006/main" xmlns:r="http://schemas.openxmlformats.org/officeDocument/2006/relationships" xmlns:p="http://schemas.openxmlformats.org/presentationml/2006/main">
+  <p:cSld>
+    <p:spTree>
+      <p:nvGrpSpPr>
+        <p:cNvPr id="1" name=""/>
+        <p:cNvGrpSpPr/>
+        <p:nvPr/>
+      </p:nvGrpSpPr>
+      <p:grpSpPr/>
+      <p:pic>
+        <p:nvPicPr>
+          <p:cNvPr id="2" name="图片 1"/>
+          <p:cNvPicPr>
+            <a:picLocks noChangeAspect="1"/>
+          </p:cNvPicPr>
+          <p:nvPr/>
+        </p:nvPicPr>
+        <p:blipFill>
+          <a:blip r:embed="rId1"/>
+          <a:stretch>
+            <a:fillRect/>
+          </a:stretch>
+        </p:blipFill>
+        <p:spPr>
+          <a:xfrm>
+            <a:off x="3043555" y="2209800"/>
+            <a:ext cx="6372225" cy="2438400"/>
+          </a:xfrm>
+          <a:prstGeom prst="rect">
+            <a:avLst/>
+          </a:prstGeom>
+        </p:spPr>
+      </p:pic>
+      <p:pic>
+        <p:nvPicPr>
+          <p:cNvPr id="3" name="图片 2"/>
+          <p:cNvPicPr>
+            <a:picLocks noChangeAspect="1"/>
+          </p:cNvPicPr>
+          <p:nvPr/>
+        </p:nvPicPr>
+        <p:blipFill>
+          <a:blip r:embed="rId2"/>
+          <a:stretch>
+            <a:fillRect/>
+          </a:stretch>
+        </p:blipFill>
+        <p:spPr>
+          <a:xfrm>
+            <a:off x="5235575" y="3304540"/>
+            <a:ext cx="3812540" cy="640080"/>
+          </a:xfrm>
+          <a:prstGeom prst="rect">
+            <a:avLst/>
+          </a:prstGeom>
+        </p:spPr>
+      </p:pic>
+    </p:spTree>
+    <p:custDataLst>
+      <p:tags r:id="rId3"/>
+    </p:custDataLst>
+  </p:cSld>
+  <p:clrMapOvr>
+    <a:masterClrMapping/>
+  </p:clrMapOvr>
+</p:sld>
+</file>
+
 <file path=ppt/tags/tag1.xml><?xml version="1.0" encoding="utf-8"?>
 <p:tagLst xmlns:p="http://schemas.openxmlformats.org/presentationml/2006/main">
   <p:tag name="KSO_WM_UNIT_HIGHLIGHT" val="0"/>
@@ -3928,6 +3998,14 @@
   <p:tag name="KSO_WM_SLIDE_LAYOUT_CNT" val="1_1"/>
   <p:tag name="KSO_WM_UNIT_SHOW_EDIT_AREA_INDICATION" val="1"/>
   <p:tag name="KSO_WM_TEMPLATE_THUMBS_INDEX" val="1、4、7、12、13、14、15、16、17、18、20、24、25、28、33、36、40、43、44"/>
+</p:tagLst>
+</file>
+
+<file path=ppt/tags/tag64.xml><?xml version="1.0" encoding="utf-8"?>
+<p:tagLst xmlns:p="http://schemas.openxmlformats.org/presentationml/2006/main">
+  <p:tag name="KSO_WM_BEAUTIFY_FLAG" val="#wm#"/>
+  <p:tag name="KSO_WM_TEMPLATE_CATEGORY" val="custom"/>
+  <p:tag name="KSO_WM_TEMPLATE_INDEX" val="20205081"/>
 </p:tagLst>
 </file>
 
